--- a/agape retreat/caleb.pptx
+++ b/agape retreat/caleb.pptx
@@ -2,7 +2,7 @@
 <file path=ppt/presentation.xml><?xml version="1.0" encoding="utf-8"?>
 <p:presentation xmlns:a="http://schemas.openxmlformats.org/drawingml/2006/main" xmlns:r="http://schemas.openxmlformats.org/officeDocument/2006/relationships" xmlns:p="http://schemas.openxmlformats.org/presentationml/2006/main" saveSubsetFonts="1">
   <p:sldMasterIdLst>
-    <p:sldMasterId id="2147483648" r:id="rId1"/>
+    <p:sldMasterId id="2147483661" r:id="rId1"/>
   </p:sldMasterIdLst>
   <p:sldIdLst>
     <p:sldId id="256" r:id="rId2"/>
@@ -126,6 +126,11 @@
       </a:defRPr>
     </a:lvl9pPr>
   </p:defaultTextStyle>
+  <p:extLst>
+    <p:ext uri="{EFAFB233-063F-42B5-8137-9DF3F51BA10A}">
+      <p15:sldGuideLst xmlns:p15="http://schemas.microsoft.com/office/powerpoint/2012/main"/>
+    </p:ext>
+  </p:extLst>
 </p:presentation>
 </file>
 
@@ -148,13 +153,7 @@
       </p:grpSpPr>
       <p:sp>
         <p:nvSpPr>
-          <p:cNvPr id="2" name="Title 1">
-            <a:extLst>
-              <a:ext uri="{FF2B5EF4-FFF2-40B4-BE49-F238E27FC236}">
-                <a16:creationId xmlns:a16="http://schemas.microsoft.com/office/drawing/2014/main" id="{DD0FD787-3481-4AC6-82BA-506E6F329676}"/>
-              </a:ext>
-            </a:extLst>
-          </p:cNvPr>
+          <p:cNvPr id="2" name="Title 1"/>
           <p:cNvSpPr>
             <a:spLocks noGrp="1"/>
           </p:cNvSpPr>
@@ -180,18 +179,13 @@
               <a:rPr lang="en-US"/>
               <a:t>Click to edit Master title style</a:t>
             </a:r>
-          </a:p>
-        </p:txBody>
-      </p:sp>
-      <p:sp>
-        <p:nvSpPr>
-          <p:cNvPr id="3" name="Subtitle 2">
-            <a:extLst>
-              <a:ext uri="{FF2B5EF4-FFF2-40B4-BE49-F238E27FC236}">
-                <a16:creationId xmlns:a16="http://schemas.microsoft.com/office/drawing/2014/main" id="{38613A5D-EEB7-4F4C-B0BF-8D910CD3091E}"/>
-              </a:ext>
-            </a:extLst>
-          </p:cNvPr>
+            <a:endParaRPr lang="en-US" dirty="0"/>
+          </a:p>
+        </p:txBody>
+      </p:sp>
+      <p:sp>
+        <p:nvSpPr>
+          <p:cNvPr id="3" name="Subtitle 2"/>
           <p:cNvSpPr>
             <a:spLocks noGrp="1"/>
           </p:cNvSpPr>
@@ -250,18 +244,13 @@
               <a:rPr lang="en-US"/>
               <a:t>Click to edit Master subtitle style</a:t>
             </a:r>
-          </a:p>
-        </p:txBody>
-      </p:sp>
-      <p:sp>
-        <p:nvSpPr>
-          <p:cNvPr id="4" name="Date Placeholder 3">
-            <a:extLst>
-              <a:ext uri="{FF2B5EF4-FFF2-40B4-BE49-F238E27FC236}">
-                <a16:creationId xmlns:a16="http://schemas.microsoft.com/office/drawing/2014/main" id="{C1579DBF-B1C3-48F8-BF9E-9137155A657B}"/>
-              </a:ext>
-            </a:extLst>
-          </p:cNvPr>
+            <a:endParaRPr lang="en-US" dirty="0"/>
+          </a:p>
+        </p:txBody>
+      </p:sp>
+      <p:sp>
+        <p:nvSpPr>
+          <p:cNvPr id="4" name="Date Placeholder 3"/>
           <p:cNvSpPr>
             <a:spLocks noGrp="1"/>
           </p:cNvSpPr>
@@ -276,7 +265,7 @@
           <a:p>
             <a:fld id="{4D9736FE-DD26-4250-B71B-CA1E5A7BE9E9}" type="datetimeFigureOut">
               <a:rPr lang="en-US" smtClean="0"/>
-              <a:t>7/3/2018</a:t>
+              <a:t>7/6/18</a:t>
             </a:fld>
             <a:endParaRPr lang="en-US"/>
           </a:p>
@@ -284,13 +273,7 @@
       </p:sp>
       <p:sp>
         <p:nvSpPr>
-          <p:cNvPr id="5" name="Footer Placeholder 4">
-            <a:extLst>
-              <a:ext uri="{FF2B5EF4-FFF2-40B4-BE49-F238E27FC236}">
-                <a16:creationId xmlns:a16="http://schemas.microsoft.com/office/drawing/2014/main" id="{365AF4D9-1081-4EF6-98C8-6797AC5D1816}"/>
-              </a:ext>
-            </a:extLst>
-          </p:cNvPr>
+          <p:cNvPr id="5" name="Footer Placeholder 4"/>
           <p:cNvSpPr>
             <a:spLocks noGrp="1"/>
           </p:cNvSpPr>
@@ -309,13 +292,7 @@
       </p:sp>
       <p:sp>
         <p:nvSpPr>
-          <p:cNvPr id="6" name="Slide Number Placeholder 5">
-            <a:extLst>
-              <a:ext uri="{FF2B5EF4-FFF2-40B4-BE49-F238E27FC236}">
-                <a16:creationId xmlns:a16="http://schemas.microsoft.com/office/drawing/2014/main" id="{46CEEA92-1036-4089-8AB3-AF9502CC674C}"/>
-              </a:ext>
-            </a:extLst>
-          </p:cNvPr>
+          <p:cNvPr id="6" name="Slide Number Placeholder 5"/>
           <p:cNvSpPr>
             <a:spLocks noGrp="1"/>
           </p:cNvSpPr>
@@ -339,7 +316,7 @@
     </p:spTree>
     <p:extLst>
       <p:ext uri="{BB962C8B-B14F-4D97-AF65-F5344CB8AC3E}">
-        <p14:creationId xmlns:p14="http://schemas.microsoft.com/office/powerpoint/2010/main" val="2158615977"/>
+        <p14:creationId xmlns:p14="http://schemas.microsoft.com/office/powerpoint/2010/main" val="915989942"/>
       </p:ext>
     </p:extLst>
   </p:cSld>
@@ -368,13 +345,7 @@
       </p:grpSpPr>
       <p:sp>
         <p:nvSpPr>
-          <p:cNvPr id="2" name="Title 1">
-            <a:extLst>
-              <a:ext uri="{FF2B5EF4-FFF2-40B4-BE49-F238E27FC236}">
-                <a16:creationId xmlns:a16="http://schemas.microsoft.com/office/drawing/2014/main" id="{1139B75F-73CE-4EBE-8066-ADD66BA18E96}"/>
-              </a:ext>
-            </a:extLst>
-          </p:cNvPr>
+          <p:cNvPr id="2" name="Title 1"/>
           <p:cNvSpPr>
             <a:spLocks noGrp="1"/>
           </p:cNvSpPr>
@@ -391,18 +362,13 @@
               <a:rPr lang="en-US"/>
               <a:t>Click to edit Master title style</a:t>
             </a:r>
-          </a:p>
-        </p:txBody>
-      </p:sp>
-      <p:sp>
-        <p:nvSpPr>
-          <p:cNvPr id="3" name="Vertical Text Placeholder 2">
-            <a:extLst>
-              <a:ext uri="{FF2B5EF4-FFF2-40B4-BE49-F238E27FC236}">
-                <a16:creationId xmlns:a16="http://schemas.microsoft.com/office/drawing/2014/main" id="{193380F3-D706-4EC5-8D9D-FF6E02B6724D}"/>
-              </a:ext>
-            </a:extLst>
-          </p:cNvPr>
+            <a:endParaRPr lang="en-US" dirty="0"/>
+          </a:p>
+        </p:txBody>
+      </p:sp>
+      <p:sp>
+        <p:nvSpPr>
+          <p:cNvPr id="3" name="Vertical Text Placeholder 2"/>
           <p:cNvSpPr>
             <a:spLocks noGrp="1"/>
           </p:cNvSpPr>
@@ -448,18 +414,13 @@
               <a:rPr lang="en-US"/>
               <a:t>Fifth level</a:t>
             </a:r>
-          </a:p>
-        </p:txBody>
-      </p:sp>
-      <p:sp>
-        <p:nvSpPr>
-          <p:cNvPr id="4" name="Date Placeholder 3">
-            <a:extLst>
-              <a:ext uri="{FF2B5EF4-FFF2-40B4-BE49-F238E27FC236}">
-                <a16:creationId xmlns:a16="http://schemas.microsoft.com/office/drawing/2014/main" id="{852C96F5-0955-4EE7-B157-C4DC816EA5CE}"/>
-              </a:ext>
-            </a:extLst>
-          </p:cNvPr>
+            <a:endParaRPr lang="en-US" dirty="0"/>
+          </a:p>
+        </p:txBody>
+      </p:sp>
+      <p:sp>
+        <p:nvSpPr>
+          <p:cNvPr id="4" name="Date Placeholder 3"/>
           <p:cNvSpPr>
             <a:spLocks noGrp="1"/>
           </p:cNvSpPr>
@@ -474,7 +435,7 @@
           <a:p>
             <a:fld id="{4D9736FE-DD26-4250-B71B-CA1E5A7BE9E9}" type="datetimeFigureOut">
               <a:rPr lang="en-US" smtClean="0"/>
-              <a:t>7/3/2018</a:t>
+              <a:t>7/6/18</a:t>
             </a:fld>
             <a:endParaRPr lang="en-US"/>
           </a:p>
@@ -482,13 +443,7 @@
       </p:sp>
       <p:sp>
         <p:nvSpPr>
-          <p:cNvPr id="5" name="Footer Placeholder 4">
-            <a:extLst>
-              <a:ext uri="{FF2B5EF4-FFF2-40B4-BE49-F238E27FC236}">
-                <a16:creationId xmlns:a16="http://schemas.microsoft.com/office/drawing/2014/main" id="{6870AEF2-83E1-4135-BD92-7FC591714BFC}"/>
-              </a:ext>
-            </a:extLst>
-          </p:cNvPr>
+          <p:cNvPr id="5" name="Footer Placeholder 4"/>
           <p:cNvSpPr>
             <a:spLocks noGrp="1"/>
           </p:cNvSpPr>
@@ -507,13 +462,7 @@
       </p:sp>
       <p:sp>
         <p:nvSpPr>
-          <p:cNvPr id="6" name="Slide Number Placeholder 5">
-            <a:extLst>
-              <a:ext uri="{FF2B5EF4-FFF2-40B4-BE49-F238E27FC236}">
-                <a16:creationId xmlns:a16="http://schemas.microsoft.com/office/drawing/2014/main" id="{EA7BD3ED-AB87-4BBE-A1A4-798F5856D758}"/>
-              </a:ext>
-            </a:extLst>
-          </p:cNvPr>
+          <p:cNvPr id="6" name="Slide Number Placeholder 5"/>
           <p:cNvSpPr>
             <a:spLocks noGrp="1"/>
           </p:cNvSpPr>
@@ -537,7 +486,7 @@
     </p:spTree>
     <p:extLst>
       <p:ext uri="{BB962C8B-B14F-4D97-AF65-F5344CB8AC3E}">
-        <p14:creationId xmlns:p14="http://schemas.microsoft.com/office/powerpoint/2010/main" val="569071546"/>
+        <p14:creationId xmlns:p14="http://schemas.microsoft.com/office/powerpoint/2010/main" val="3528860003"/>
       </p:ext>
     </p:extLst>
   </p:cSld>
@@ -566,13 +515,7 @@
       </p:grpSpPr>
       <p:sp>
         <p:nvSpPr>
-          <p:cNvPr id="2" name="Vertical Title 1">
-            <a:extLst>
-              <a:ext uri="{FF2B5EF4-FFF2-40B4-BE49-F238E27FC236}">
-                <a16:creationId xmlns:a16="http://schemas.microsoft.com/office/drawing/2014/main" id="{BBCC32CA-6B6A-42A1-8B8B-50DA54AC9FAD}"/>
-              </a:ext>
-            </a:extLst>
-          </p:cNvPr>
+          <p:cNvPr id="2" name="Vertical Title 1"/>
           <p:cNvSpPr>
             <a:spLocks noGrp="1"/>
           </p:cNvSpPr>
@@ -594,18 +537,13 @@
               <a:rPr lang="en-US"/>
               <a:t>Click to edit Master title style</a:t>
             </a:r>
-          </a:p>
-        </p:txBody>
-      </p:sp>
-      <p:sp>
-        <p:nvSpPr>
-          <p:cNvPr id="3" name="Vertical Text Placeholder 2">
-            <a:extLst>
-              <a:ext uri="{FF2B5EF4-FFF2-40B4-BE49-F238E27FC236}">
-                <a16:creationId xmlns:a16="http://schemas.microsoft.com/office/drawing/2014/main" id="{FB46EDF9-FDCB-4EED-883D-1E359D735757}"/>
-              </a:ext>
-            </a:extLst>
-          </p:cNvPr>
+            <a:endParaRPr lang="en-US" dirty="0"/>
+          </a:p>
+        </p:txBody>
+      </p:sp>
+      <p:sp>
+        <p:nvSpPr>
+          <p:cNvPr id="3" name="Vertical Text Placeholder 2"/>
           <p:cNvSpPr>
             <a:spLocks noGrp="1"/>
           </p:cNvSpPr>
@@ -656,18 +594,13 @@
               <a:rPr lang="en-US"/>
               <a:t>Fifth level</a:t>
             </a:r>
-          </a:p>
-        </p:txBody>
-      </p:sp>
-      <p:sp>
-        <p:nvSpPr>
-          <p:cNvPr id="4" name="Date Placeholder 3">
-            <a:extLst>
-              <a:ext uri="{FF2B5EF4-FFF2-40B4-BE49-F238E27FC236}">
-                <a16:creationId xmlns:a16="http://schemas.microsoft.com/office/drawing/2014/main" id="{8044D898-8652-4227-83BD-103C9A3922E7}"/>
-              </a:ext>
-            </a:extLst>
-          </p:cNvPr>
+            <a:endParaRPr lang="en-US" dirty="0"/>
+          </a:p>
+        </p:txBody>
+      </p:sp>
+      <p:sp>
+        <p:nvSpPr>
+          <p:cNvPr id="4" name="Date Placeholder 3"/>
           <p:cNvSpPr>
             <a:spLocks noGrp="1"/>
           </p:cNvSpPr>
@@ -682,7 +615,7 @@
           <a:p>
             <a:fld id="{4D9736FE-DD26-4250-B71B-CA1E5A7BE9E9}" type="datetimeFigureOut">
               <a:rPr lang="en-US" smtClean="0"/>
-              <a:t>7/3/2018</a:t>
+              <a:t>7/6/18</a:t>
             </a:fld>
             <a:endParaRPr lang="en-US"/>
           </a:p>
@@ -690,13 +623,7 @@
       </p:sp>
       <p:sp>
         <p:nvSpPr>
-          <p:cNvPr id="5" name="Footer Placeholder 4">
-            <a:extLst>
-              <a:ext uri="{FF2B5EF4-FFF2-40B4-BE49-F238E27FC236}">
-                <a16:creationId xmlns:a16="http://schemas.microsoft.com/office/drawing/2014/main" id="{06CCEA74-F0D0-4827-A6ED-F7A6CE367298}"/>
-              </a:ext>
-            </a:extLst>
-          </p:cNvPr>
+          <p:cNvPr id="5" name="Footer Placeholder 4"/>
           <p:cNvSpPr>
             <a:spLocks noGrp="1"/>
           </p:cNvSpPr>
@@ -715,13 +642,7 @@
       </p:sp>
       <p:sp>
         <p:nvSpPr>
-          <p:cNvPr id="6" name="Slide Number Placeholder 5">
-            <a:extLst>
-              <a:ext uri="{FF2B5EF4-FFF2-40B4-BE49-F238E27FC236}">
-                <a16:creationId xmlns:a16="http://schemas.microsoft.com/office/drawing/2014/main" id="{0BA9AF78-1EBD-487E-B671-4529F1FBDAEB}"/>
-              </a:ext>
-            </a:extLst>
-          </p:cNvPr>
+          <p:cNvPr id="6" name="Slide Number Placeholder 5"/>
           <p:cNvSpPr>
             <a:spLocks noGrp="1"/>
           </p:cNvSpPr>
@@ -745,7 +666,7 @@
     </p:spTree>
     <p:extLst>
       <p:ext uri="{BB962C8B-B14F-4D97-AF65-F5344CB8AC3E}">
-        <p14:creationId xmlns:p14="http://schemas.microsoft.com/office/powerpoint/2010/main" val="1786593830"/>
+        <p14:creationId xmlns:p14="http://schemas.microsoft.com/office/powerpoint/2010/main" val="3636051288"/>
       </p:ext>
     </p:extLst>
   </p:cSld>
@@ -756,7 +677,7 @@
 </file>
 
 <file path=ppt/slideLayouts/slideLayout12.xml><?xml version="1.0" encoding="utf-8"?>
-<p:sldLayout xmlns:a="http://schemas.openxmlformats.org/drawingml/2006/main" xmlns:r="http://schemas.openxmlformats.org/officeDocument/2006/relationships" xmlns:p="http://schemas.openxmlformats.org/presentationml/2006/main" type="tx" preserve="1">
+<p:sldLayout xmlns:a="http://schemas.openxmlformats.org/drawingml/2006/main" xmlns:r="http://schemas.openxmlformats.org/officeDocument/2006/relationships" xmlns:p="http://schemas.openxmlformats.org/presentationml/2006/main" type="tx">
   <p:cSld name="Title and Text">
     <p:spTree>
       <p:nvGrpSpPr>
@@ -819,39 +740,44 @@
         <p:spPr/>
         <p:txBody>
           <a:bodyPr/>
-          <a:lstStyle/>
-          <a:p>
-            <a:pPr lvl="0"/>
-            <a:r>
-              <a:rPr lang="en-US"/>
+          <a:lstStyle>
+            <a:lvl1pPr marL="0" indent="0">
+              <a:buNone/>
+              <a:defRPr/>
+            </a:lvl1pPr>
+          </a:lstStyle>
+          <a:p>
+            <a:pPr lvl="0"/>
+            <a:r>
+              <a:rPr lang="en-US" dirty="0"/>
               <a:t>Edit Master text styles</a:t>
             </a:r>
           </a:p>
           <a:p>
             <a:pPr lvl="1"/>
             <a:r>
-              <a:rPr lang="en-US"/>
+              <a:rPr lang="en-US" dirty="0"/>
               <a:t>Second level</a:t>
             </a:r>
           </a:p>
           <a:p>
             <a:pPr lvl="2"/>
             <a:r>
-              <a:rPr lang="en-US"/>
+              <a:rPr lang="en-US" dirty="0"/>
               <a:t>Third level</a:t>
             </a:r>
           </a:p>
           <a:p>
             <a:pPr lvl="3"/>
             <a:r>
-              <a:rPr lang="en-US"/>
+              <a:rPr lang="en-US" dirty="0"/>
               <a:t>Fourth level</a:t>
             </a:r>
           </a:p>
           <a:p>
             <a:pPr lvl="4"/>
             <a:r>
-              <a:rPr lang="en-US"/>
+              <a:rPr lang="en-US" dirty="0"/>
               <a:t>Fifth level</a:t>
             </a:r>
           </a:p>
@@ -880,7 +806,7 @@
           <a:p>
             <a:fld id="{4D9736FE-DD26-4250-B71B-CA1E5A7BE9E9}" type="datetimeFigureOut">
               <a:rPr lang="en-US" smtClean="0"/>
-              <a:t>7/3/2018</a:t>
+              <a:t>7/6/18</a:t>
             </a:fld>
             <a:endParaRPr lang="en-US"/>
           </a:p>
@@ -943,7 +869,7 @@
     </p:spTree>
     <p:extLst>
       <p:ext uri="{BB962C8B-B14F-4D97-AF65-F5344CB8AC3E}">
-        <p14:creationId xmlns:p14="http://schemas.microsoft.com/office/powerpoint/2010/main" val="2088428204"/>
+        <p14:creationId xmlns:p14="http://schemas.microsoft.com/office/powerpoint/2010/main" val="660511382"/>
       </p:ext>
     </p:extLst>
   </p:cSld>
@@ -972,13 +898,7 @@
       </p:grpSpPr>
       <p:sp>
         <p:nvSpPr>
-          <p:cNvPr id="2" name="Title 1">
-            <a:extLst>
-              <a:ext uri="{FF2B5EF4-FFF2-40B4-BE49-F238E27FC236}">
-                <a16:creationId xmlns:a16="http://schemas.microsoft.com/office/drawing/2014/main" id="{CFDE290D-60B3-4A5A-80F4-6F612F0224EE}"/>
-              </a:ext>
-            </a:extLst>
-          </p:cNvPr>
+          <p:cNvPr id="2" name="Title 1"/>
           <p:cNvSpPr>
             <a:spLocks noGrp="1"/>
           </p:cNvSpPr>
@@ -995,18 +915,13 @@
               <a:rPr lang="en-US"/>
               <a:t>Click to edit Master title style</a:t>
             </a:r>
-          </a:p>
-        </p:txBody>
-      </p:sp>
-      <p:sp>
-        <p:nvSpPr>
-          <p:cNvPr id="3" name="Content Placeholder 2">
-            <a:extLst>
-              <a:ext uri="{FF2B5EF4-FFF2-40B4-BE49-F238E27FC236}">
-                <a16:creationId xmlns:a16="http://schemas.microsoft.com/office/drawing/2014/main" id="{8B112B3E-08E7-4AF1-9DB9-61C4E142A6BC}"/>
-              </a:ext>
-            </a:extLst>
-          </p:cNvPr>
+            <a:endParaRPr lang="en-US" dirty="0"/>
+          </a:p>
+        </p:txBody>
+      </p:sp>
+      <p:sp>
+        <p:nvSpPr>
+          <p:cNvPr id="3" name="Content Placeholder 2"/>
           <p:cNvSpPr>
             <a:spLocks noGrp="1"/>
           </p:cNvSpPr>
@@ -1052,18 +967,13 @@
               <a:rPr lang="en-US"/>
               <a:t>Fifth level</a:t>
             </a:r>
-          </a:p>
-        </p:txBody>
-      </p:sp>
-      <p:sp>
-        <p:nvSpPr>
-          <p:cNvPr id="4" name="Date Placeholder 3">
-            <a:extLst>
-              <a:ext uri="{FF2B5EF4-FFF2-40B4-BE49-F238E27FC236}">
-                <a16:creationId xmlns:a16="http://schemas.microsoft.com/office/drawing/2014/main" id="{10A98174-706A-4C1F-BFDA-4A2010400505}"/>
-              </a:ext>
-            </a:extLst>
-          </p:cNvPr>
+            <a:endParaRPr lang="en-US" dirty="0"/>
+          </a:p>
+        </p:txBody>
+      </p:sp>
+      <p:sp>
+        <p:nvSpPr>
+          <p:cNvPr id="4" name="Date Placeholder 3"/>
           <p:cNvSpPr>
             <a:spLocks noGrp="1"/>
           </p:cNvSpPr>
@@ -1078,7 +988,7 @@
           <a:p>
             <a:fld id="{4D9736FE-DD26-4250-B71B-CA1E5A7BE9E9}" type="datetimeFigureOut">
               <a:rPr lang="en-US" smtClean="0"/>
-              <a:t>7/3/2018</a:t>
+              <a:t>7/6/18</a:t>
             </a:fld>
             <a:endParaRPr lang="en-US"/>
           </a:p>
@@ -1086,13 +996,7 @@
       </p:sp>
       <p:sp>
         <p:nvSpPr>
-          <p:cNvPr id="5" name="Footer Placeholder 4">
-            <a:extLst>
-              <a:ext uri="{FF2B5EF4-FFF2-40B4-BE49-F238E27FC236}">
-                <a16:creationId xmlns:a16="http://schemas.microsoft.com/office/drawing/2014/main" id="{510F81E7-3DAD-45D5-BF81-789299A14C69}"/>
-              </a:ext>
-            </a:extLst>
-          </p:cNvPr>
+          <p:cNvPr id="5" name="Footer Placeholder 4"/>
           <p:cNvSpPr>
             <a:spLocks noGrp="1"/>
           </p:cNvSpPr>
@@ -1111,13 +1015,7 @@
       </p:sp>
       <p:sp>
         <p:nvSpPr>
-          <p:cNvPr id="6" name="Slide Number Placeholder 5">
-            <a:extLst>
-              <a:ext uri="{FF2B5EF4-FFF2-40B4-BE49-F238E27FC236}">
-                <a16:creationId xmlns:a16="http://schemas.microsoft.com/office/drawing/2014/main" id="{C2C421CF-9152-4C6E-AE08-BAE7E17C4545}"/>
-              </a:ext>
-            </a:extLst>
-          </p:cNvPr>
+          <p:cNvPr id="6" name="Slide Number Placeholder 5"/>
           <p:cNvSpPr>
             <a:spLocks noGrp="1"/>
           </p:cNvSpPr>
@@ -1141,7 +1039,7 @@
     </p:spTree>
     <p:extLst>
       <p:ext uri="{BB962C8B-B14F-4D97-AF65-F5344CB8AC3E}">
-        <p14:creationId xmlns:p14="http://schemas.microsoft.com/office/powerpoint/2010/main" val="3451252576"/>
+        <p14:creationId xmlns:p14="http://schemas.microsoft.com/office/powerpoint/2010/main" val="3718125468"/>
       </p:ext>
     </p:extLst>
   </p:cSld>
@@ -1170,13 +1068,7 @@
       </p:grpSpPr>
       <p:sp>
         <p:nvSpPr>
-          <p:cNvPr id="2" name="Title 1">
-            <a:extLst>
-              <a:ext uri="{FF2B5EF4-FFF2-40B4-BE49-F238E27FC236}">
-                <a16:creationId xmlns:a16="http://schemas.microsoft.com/office/drawing/2014/main" id="{2DF905DE-F554-4017-B5AE-9BCDEFA01897}"/>
-              </a:ext>
-            </a:extLst>
-          </p:cNvPr>
+          <p:cNvPr id="2" name="Title 1"/>
           <p:cNvSpPr>
             <a:spLocks noGrp="1"/>
           </p:cNvSpPr>
@@ -1202,18 +1094,13 @@
               <a:rPr lang="en-US"/>
               <a:t>Click to edit Master title style</a:t>
             </a:r>
-          </a:p>
-        </p:txBody>
-      </p:sp>
-      <p:sp>
-        <p:nvSpPr>
-          <p:cNvPr id="3" name="Text Placeholder 2">
-            <a:extLst>
-              <a:ext uri="{FF2B5EF4-FFF2-40B4-BE49-F238E27FC236}">
-                <a16:creationId xmlns:a16="http://schemas.microsoft.com/office/drawing/2014/main" id="{C19C1D92-A656-45CC-AD70-AC6FF2C6F3A6}"/>
-              </a:ext>
-            </a:extLst>
-          </p:cNvPr>
+            <a:endParaRPr lang="en-US" dirty="0"/>
+          </a:p>
+        </p:txBody>
+      </p:sp>
+      <p:sp>
+        <p:nvSpPr>
+          <p:cNvPr id="3" name="Text Placeholder 2"/>
           <p:cNvSpPr>
             <a:spLocks noGrp="1"/>
           </p:cNvSpPr>
@@ -1332,13 +1219,7 @@
       </p:sp>
       <p:sp>
         <p:nvSpPr>
-          <p:cNvPr id="4" name="Date Placeholder 3">
-            <a:extLst>
-              <a:ext uri="{FF2B5EF4-FFF2-40B4-BE49-F238E27FC236}">
-                <a16:creationId xmlns:a16="http://schemas.microsoft.com/office/drawing/2014/main" id="{2EE1FF23-A24A-43FC-B634-3A0859304852}"/>
-              </a:ext>
-            </a:extLst>
-          </p:cNvPr>
+          <p:cNvPr id="4" name="Date Placeholder 3"/>
           <p:cNvSpPr>
             <a:spLocks noGrp="1"/>
           </p:cNvSpPr>
@@ -1353,7 +1234,7 @@
           <a:p>
             <a:fld id="{4D9736FE-DD26-4250-B71B-CA1E5A7BE9E9}" type="datetimeFigureOut">
               <a:rPr lang="en-US" smtClean="0"/>
-              <a:t>7/3/2018</a:t>
+              <a:t>7/6/18</a:t>
             </a:fld>
             <a:endParaRPr lang="en-US"/>
           </a:p>
@@ -1361,13 +1242,7 @@
       </p:sp>
       <p:sp>
         <p:nvSpPr>
-          <p:cNvPr id="5" name="Footer Placeholder 4">
-            <a:extLst>
-              <a:ext uri="{FF2B5EF4-FFF2-40B4-BE49-F238E27FC236}">
-                <a16:creationId xmlns:a16="http://schemas.microsoft.com/office/drawing/2014/main" id="{6D36FE0D-1452-4B08-8709-8D2A5812B1DD}"/>
-              </a:ext>
-            </a:extLst>
-          </p:cNvPr>
+          <p:cNvPr id="5" name="Footer Placeholder 4"/>
           <p:cNvSpPr>
             <a:spLocks noGrp="1"/>
           </p:cNvSpPr>
@@ -1386,13 +1261,7 @@
       </p:sp>
       <p:sp>
         <p:nvSpPr>
-          <p:cNvPr id="6" name="Slide Number Placeholder 5">
-            <a:extLst>
-              <a:ext uri="{FF2B5EF4-FFF2-40B4-BE49-F238E27FC236}">
-                <a16:creationId xmlns:a16="http://schemas.microsoft.com/office/drawing/2014/main" id="{84F0928A-3A2A-41B8-AAF7-7C7AF3D631D0}"/>
-              </a:ext>
-            </a:extLst>
-          </p:cNvPr>
+          <p:cNvPr id="6" name="Slide Number Placeholder 5"/>
           <p:cNvSpPr>
             <a:spLocks noGrp="1"/>
           </p:cNvSpPr>
@@ -1416,7 +1285,7 @@
     </p:spTree>
     <p:extLst>
       <p:ext uri="{BB962C8B-B14F-4D97-AF65-F5344CB8AC3E}">
-        <p14:creationId xmlns:p14="http://schemas.microsoft.com/office/powerpoint/2010/main" val="3619694168"/>
+        <p14:creationId xmlns:p14="http://schemas.microsoft.com/office/powerpoint/2010/main" val="1192493362"/>
       </p:ext>
     </p:extLst>
   </p:cSld>
@@ -1445,13 +1314,7 @@
       </p:grpSpPr>
       <p:sp>
         <p:nvSpPr>
-          <p:cNvPr id="2" name="Title 1">
-            <a:extLst>
-              <a:ext uri="{FF2B5EF4-FFF2-40B4-BE49-F238E27FC236}">
-                <a16:creationId xmlns:a16="http://schemas.microsoft.com/office/drawing/2014/main" id="{834C5CF4-51A7-475B-BF34-D91A37A0CC04}"/>
-              </a:ext>
-            </a:extLst>
-          </p:cNvPr>
+          <p:cNvPr id="2" name="Title 1"/>
           <p:cNvSpPr>
             <a:spLocks noGrp="1"/>
           </p:cNvSpPr>
@@ -1468,18 +1331,13 @@
               <a:rPr lang="en-US"/>
               <a:t>Click to edit Master title style</a:t>
             </a:r>
-          </a:p>
-        </p:txBody>
-      </p:sp>
-      <p:sp>
-        <p:nvSpPr>
-          <p:cNvPr id="3" name="Content Placeholder 2">
-            <a:extLst>
-              <a:ext uri="{FF2B5EF4-FFF2-40B4-BE49-F238E27FC236}">
-                <a16:creationId xmlns:a16="http://schemas.microsoft.com/office/drawing/2014/main" id="{302ED254-D786-4A65-AB30-60BA934A85AC}"/>
-              </a:ext>
-            </a:extLst>
-          </p:cNvPr>
+            <a:endParaRPr lang="en-US" dirty="0"/>
+          </a:p>
+        </p:txBody>
+      </p:sp>
+      <p:sp>
+        <p:nvSpPr>
+          <p:cNvPr id="3" name="Content Placeholder 2"/>
           <p:cNvSpPr>
             <a:spLocks noGrp="1"/>
           </p:cNvSpPr>
@@ -1530,18 +1388,13 @@
               <a:rPr lang="en-US"/>
               <a:t>Fifth level</a:t>
             </a:r>
-          </a:p>
-        </p:txBody>
-      </p:sp>
-      <p:sp>
-        <p:nvSpPr>
-          <p:cNvPr id="4" name="Content Placeholder 3">
-            <a:extLst>
-              <a:ext uri="{FF2B5EF4-FFF2-40B4-BE49-F238E27FC236}">
-                <a16:creationId xmlns:a16="http://schemas.microsoft.com/office/drawing/2014/main" id="{A6DDEE43-27AD-476A-841E-E1B29AEB2173}"/>
-              </a:ext>
-            </a:extLst>
-          </p:cNvPr>
+            <a:endParaRPr lang="en-US" dirty="0"/>
+          </a:p>
+        </p:txBody>
+      </p:sp>
+      <p:sp>
+        <p:nvSpPr>
+          <p:cNvPr id="4" name="Content Placeholder 3"/>
           <p:cNvSpPr>
             <a:spLocks noGrp="1"/>
           </p:cNvSpPr>
@@ -1592,18 +1445,13 @@
               <a:rPr lang="en-US"/>
               <a:t>Fifth level</a:t>
             </a:r>
-          </a:p>
-        </p:txBody>
-      </p:sp>
-      <p:sp>
-        <p:nvSpPr>
-          <p:cNvPr id="5" name="Date Placeholder 4">
-            <a:extLst>
-              <a:ext uri="{FF2B5EF4-FFF2-40B4-BE49-F238E27FC236}">
-                <a16:creationId xmlns:a16="http://schemas.microsoft.com/office/drawing/2014/main" id="{749115B8-45F3-4498-B5E3-656E6940EC6C}"/>
-              </a:ext>
-            </a:extLst>
-          </p:cNvPr>
+            <a:endParaRPr lang="en-US" dirty="0"/>
+          </a:p>
+        </p:txBody>
+      </p:sp>
+      <p:sp>
+        <p:nvSpPr>
+          <p:cNvPr id="5" name="Date Placeholder 4"/>
           <p:cNvSpPr>
             <a:spLocks noGrp="1"/>
           </p:cNvSpPr>
@@ -1618,7 +1466,7 @@
           <a:p>
             <a:fld id="{4D9736FE-DD26-4250-B71B-CA1E5A7BE9E9}" type="datetimeFigureOut">
               <a:rPr lang="en-US" smtClean="0"/>
-              <a:t>7/3/2018</a:t>
+              <a:t>7/6/18</a:t>
             </a:fld>
             <a:endParaRPr lang="en-US"/>
           </a:p>
@@ -1626,13 +1474,7 @@
       </p:sp>
       <p:sp>
         <p:nvSpPr>
-          <p:cNvPr id="6" name="Footer Placeholder 5">
-            <a:extLst>
-              <a:ext uri="{FF2B5EF4-FFF2-40B4-BE49-F238E27FC236}">
-                <a16:creationId xmlns:a16="http://schemas.microsoft.com/office/drawing/2014/main" id="{29EDD4A5-828B-443A-BC2C-82E5069D19CF}"/>
-              </a:ext>
-            </a:extLst>
-          </p:cNvPr>
+          <p:cNvPr id="6" name="Footer Placeholder 5"/>
           <p:cNvSpPr>
             <a:spLocks noGrp="1"/>
           </p:cNvSpPr>
@@ -1651,13 +1493,7 @@
       </p:sp>
       <p:sp>
         <p:nvSpPr>
-          <p:cNvPr id="7" name="Slide Number Placeholder 6">
-            <a:extLst>
-              <a:ext uri="{FF2B5EF4-FFF2-40B4-BE49-F238E27FC236}">
-                <a16:creationId xmlns:a16="http://schemas.microsoft.com/office/drawing/2014/main" id="{8089033F-10D0-4B2F-BC1D-A3EA2C4F6655}"/>
-              </a:ext>
-            </a:extLst>
-          </p:cNvPr>
+          <p:cNvPr id="7" name="Slide Number Placeholder 6"/>
           <p:cNvSpPr>
             <a:spLocks noGrp="1"/>
           </p:cNvSpPr>
@@ -1681,7 +1517,7 @@
     </p:spTree>
     <p:extLst>
       <p:ext uri="{BB962C8B-B14F-4D97-AF65-F5344CB8AC3E}">
-        <p14:creationId xmlns:p14="http://schemas.microsoft.com/office/powerpoint/2010/main" val="3044044417"/>
+        <p14:creationId xmlns:p14="http://schemas.microsoft.com/office/powerpoint/2010/main" val="2553297028"/>
       </p:ext>
     </p:extLst>
   </p:cSld>
@@ -1710,13 +1546,7 @@
       </p:grpSpPr>
       <p:sp>
         <p:nvSpPr>
-          <p:cNvPr id="2" name="Title 1">
-            <a:extLst>
-              <a:ext uri="{FF2B5EF4-FFF2-40B4-BE49-F238E27FC236}">
-                <a16:creationId xmlns:a16="http://schemas.microsoft.com/office/drawing/2014/main" id="{F879C4A1-DE24-4E60-9ED9-EABF81126805}"/>
-              </a:ext>
-            </a:extLst>
-          </p:cNvPr>
+          <p:cNvPr id="2" name="Title 1"/>
           <p:cNvSpPr>
             <a:spLocks noGrp="1"/>
           </p:cNvSpPr>
@@ -1738,18 +1568,13 @@
               <a:rPr lang="en-US"/>
               <a:t>Click to edit Master title style</a:t>
             </a:r>
-          </a:p>
-        </p:txBody>
-      </p:sp>
-      <p:sp>
-        <p:nvSpPr>
-          <p:cNvPr id="3" name="Text Placeholder 2">
-            <a:extLst>
-              <a:ext uri="{FF2B5EF4-FFF2-40B4-BE49-F238E27FC236}">
-                <a16:creationId xmlns:a16="http://schemas.microsoft.com/office/drawing/2014/main" id="{710AA1DD-BE02-448C-91E0-2B2AE466C1BC}"/>
-              </a:ext>
-            </a:extLst>
-          </p:cNvPr>
+            <a:endParaRPr lang="en-US" dirty="0"/>
+          </a:p>
+        </p:txBody>
+      </p:sp>
+      <p:sp>
+        <p:nvSpPr>
+          <p:cNvPr id="3" name="Text Placeholder 2"/>
           <p:cNvSpPr>
             <a:spLocks noGrp="1"/>
           </p:cNvSpPr>
@@ -1814,13 +1639,7 @@
       </p:sp>
       <p:sp>
         <p:nvSpPr>
-          <p:cNvPr id="4" name="Content Placeholder 3">
-            <a:extLst>
-              <a:ext uri="{FF2B5EF4-FFF2-40B4-BE49-F238E27FC236}">
-                <a16:creationId xmlns:a16="http://schemas.microsoft.com/office/drawing/2014/main" id="{2998CBF2-DC8C-49EB-A355-D42A13084288}"/>
-              </a:ext>
-            </a:extLst>
-          </p:cNvPr>
+          <p:cNvPr id="4" name="Content Placeholder 3"/>
           <p:cNvSpPr>
             <a:spLocks noGrp="1"/>
           </p:cNvSpPr>
@@ -1871,18 +1690,13 @@
               <a:rPr lang="en-US"/>
               <a:t>Fifth level</a:t>
             </a:r>
-          </a:p>
-        </p:txBody>
-      </p:sp>
-      <p:sp>
-        <p:nvSpPr>
-          <p:cNvPr id="5" name="Text Placeholder 4">
-            <a:extLst>
-              <a:ext uri="{FF2B5EF4-FFF2-40B4-BE49-F238E27FC236}">
-                <a16:creationId xmlns:a16="http://schemas.microsoft.com/office/drawing/2014/main" id="{D65A21FF-14F7-474B-BD9B-D14622D8C36A}"/>
-              </a:ext>
-            </a:extLst>
-          </p:cNvPr>
+            <a:endParaRPr lang="en-US" dirty="0"/>
+          </a:p>
+        </p:txBody>
+      </p:sp>
+      <p:sp>
+        <p:nvSpPr>
+          <p:cNvPr id="5" name="Text Placeholder 4"/>
           <p:cNvSpPr>
             <a:spLocks noGrp="1"/>
           </p:cNvSpPr>
@@ -1947,13 +1761,7 @@
       </p:sp>
       <p:sp>
         <p:nvSpPr>
-          <p:cNvPr id="6" name="Content Placeholder 5">
-            <a:extLst>
-              <a:ext uri="{FF2B5EF4-FFF2-40B4-BE49-F238E27FC236}">
-                <a16:creationId xmlns:a16="http://schemas.microsoft.com/office/drawing/2014/main" id="{1186F9F0-9A9F-45AD-8993-5D14EE57AEF1}"/>
-              </a:ext>
-            </a:extLst>
-          </p:cNvPr>
+          <p:cNvPr id="6" name="Content Placeholder 5"/>
           <p:cNvSpPr>
             <a:spLocks noGrp="1"/>
           </p:cNvSpPr>
@@ -2004,18 +1812,13 @@
               <a:rPr lang="en-US"/>
               <a:t>Fifth level</a:t>
             </a:r>
-          </a:p>
-        </p:txBody>
-      </p:sp>
-      <p:sp>
-        <p:nvSpPr>
-          <p:cNvPr id="7" name="Date Placeholder 6">
-            <a:extLst>
-              <a:ext uri="{FF2B5EF4-FFF2-40B4-BE49-F238E27FC236}">
-                <a16:creationId xmlns:a16="http://schemas.microsoft.com/office/drawing/2014/main" id="{86412C0B-E79B-426B-8DAD-F51648094EFD}"/>
-              </a:ext>
-            </a:extLst>
-          </p:cNvPr>
+            <a:endParaRPr lang="en-US" dirty="0"/>
+          </a:p>
+        </p:txBody>
+      </p:sp>
+      <p:sp>
+        <p:nvSpPr>
+          <p:cNvPr id="7" name="Date Placeholder 6"/>
           <p:cNvSpPr>
             <a:spLocks noGrp="1"/>
           </p:cNvSpPr>
@@ -2030,7 +1833,7 @@
           <a:p>
             <a:fld id="{4D9736FE-DD26-4250-B71B-CA1E5A7BE9E9}" type="datetimeFigureOut">
               <a:rPr lang="en-US" smtClean="0"/>
-              <a:t>7/3/2018</a:t>
+              <a:t>7/6/18</a:t>
             </a:fld>
             <a:endParaRPr lang="en-US"/>
           </a:p>
@@ -2038,13 +1841,7 @@
       </p:sp>
       <p:sp>
         <p:nvSpPr>
-          <p:cNvPr id="8" name="Footer Placeholder 7">
-            <a:extLst>
-              <a:ext uri="{FF2B5EF4-FFF2-40B4-BE49-F238E27FC236}">
-                <a16:creationId xmlns:a16="http://schemas.microsoft.com/office/drawing/2014/main" id="{D3DEC3AE-69DA-4FF6-80AF-ADD0E12F10E3}"/>
-              </a:ext>
-            </a:extLst>
-          </p:cNvPr>
+          <p:cNvPr id="8" name="Footer Placeholder 7"/>
           <p:cNvSpPr>
             <a:spLocks noGrp="1"/>
           </p:cNvSpPr>
@@ -2063,13 +1860,7 @@
       </p:sp>
       <p:sp>
         <p:nvSpPr>
-          <p:cNvPr id="9" name="Slide Number Placeholder 8">
-            <a:extLst>
-              <a:ext uri="{FF2B5EF4-FFF2-40B4-BE49-F238E27FC236}">
-                <a16:creationId xmlns:a16="http://schemas.microsoft.com/office/drawing/2014/main" id="{F9025BF7-E626-4C4C-AFD7-A342A7DC7A2F}"/>
-              </a:ext>
-            </a:extLst>
-          </p:cNvPr>
+          <p:cNvPr id="9" name="Slide Number Placeholder 8"/>
           <p:cNvSpPr>
             <a:spLocks noGrp="1"/>
           </p:cNvSpPr>
@@ -2093,7 +1884,7 @@
     </p:spTree>
     <p:extLst>
       <p:ext uri="{BB962C8B-B14F-4D97-AF65-F5344CB8AC3E}">
-        <p14:creationId xmlns:p14="http://schemas.microsoft.com/office/powerpoint/2010/main" val="3809715184"/>
+        <p14:creationId xmlns:p14="http://schemas.microsoft.com/office/powerpoint/2010/main" val="3888910584"/>
       </p:ext>
     </p:extLst>
   </p:cSld>
@@ -2122,13 +1913,7 @@
       </p:grpSpPr>
       <p:sp>
         <p:nvSpPr>
-          <p:cNvPr id="2" name="Title 1">
-            <a:extLst>
-              <a:ext uri="{FF2B5EF4-FFF2-40B4-BE49-F238E27FC236}">
-                <a16:creationId xmlns:a16="http://schemas.microsoft.com/office/drawing/2014/main" id="{737671EF-413C-4454-9E59-173C2600B4AE}"/>
-              </a:ext>
-            </a:extLst>
-          </p:cNvPr>
+          <p:cNvPr id="2" name="Title 1"/>
           <p:cNvSpPr>
             <a:spLocks noGrp="1"/>
           </p:cNvSpPr>
@@ -2145,18 +1930,13 @@
               <a:rPr lang="en-US"/>
               <a:t>Click to edit Master title style</a:t>
             </a:r>
-          </a:p>
-        </p:txBody>
-      </p:sp>
-      <p:sp>
-        <p:nvSpPr>
-          <p:cNvPr id="3" name="Date Placeholder 2">
-            <a:extLst>
-              <a:ext uri="{FF2B5EF4-FFF2-40B4-BE49-F238E27FC236}">
-                <a16:creationId xmlns:a16="http://schemas.microsoft.com/office/drawing/2014/main" id="{CAB2CC53-B4E2-4289-92B4-6FBF85D11A01}"/>
-              </a:ext>
-            </a:extLst>
-          </p:cNvPr>
+            <a:endParaRPr lang="en-US" dirty="0"/>
+          </a:p>
+        </p:txBody>
+      </p:sp>
+      <p:sp>
+        <p:nvSpPr>
+          <p:cNvPr id="3" name="Date Placeholder 2"/>
           <p:cNvSpPr>
             <a:spLocks noGrp="1"/>
           </p:cNvSpPr>
@@ -2171,7 +1951,7 @@
           <a:p>
             <a:fld id="{4D9736FE-DD26-4250-B71B-CA1E5A7BE9E9}" type="datetimeFigureOut">
               <a:rPr lang="en-US" smtClean="0"/>
-              <a:t>7/3/2018</a:t>
+              <a:t>7/6/18</a:t>
             </a:fld>
             <a:endParaRPr lang="en-US"/>
           </a:p>
@@ -2179,13 +1959,7 @@
       </p:sp>
       <p:sp>
         <p:nvSpPr>
-          <p:cNvPr id="4" name="Footer Placeholder 3">
-            <a:extLst>
-              <a:ext uri="{FF2B5EF4-FFF2-40B4-BE49-F238E27FC236}">
-                <a16:creationId xmlns:a16="http://schemas.microsoft.com/office/drawing/2014/main" id="{60BC9AAA-82AE-43CD-8F32-7850C517F492}"/>
-              </a:ext>
-            </a:extLst>
-          </p:cNvPr>
+          <p:cNvPr id="4" name="Footer Placeholder 3"/>
           <p:cNvSpPr>
             <a:spLocks noGrp="1"/>
           </p:cNvSpPr>
@@ -2204,13 +1978,7 @@
       </p:sp>
       <p:sp>
         <p:nvSpPr>
-          <p:cNvPr id="5" name="Slide Number Placeholder 4">
-            <a:extLst>
-              <a:ext uri="{FF2B5EF4-FFF2-40B4-BE49-F238E27FC236}">
-                <a16:creationId xmlns:a16="http://schemas.microsoft.com/office/drawing/2014/main" id="{2D617EBB-222F-47FE-8C4F-CE7E6356F558}"/>
-              </a:ext>
-            </a:extLst>
-          </p:cNvPr>
+          <p:cNvPr id="5" name="Slide Number Placeholder 4"/>
           <p:cNvSpPr>
             <a:spLocks noGrp="1"/>
           </p:cNvSpPr>
@@ -2234,7 +2002,7 @@
     </p:spTree>
     <p:extLst>
       <p:ext uri="{BB962C8B-B14F-4D97-AF65-F5344CB8AC3E}">
-        <p14:creationId xmlns:p14="http://schemas.microsoft.com/office/powerpoint/2010/main" val="1300841347"/>
+        <p14:creationId xmlns:p14="http://schemas.microsoft.com/office/powerpoint/2010/main" val="599573195"/>
       </p:ext>
     </p:extLst>
   </p:cSld>
@@ -2263,13 +2031,7 @@
       </p:grpSpPr>
       <p:sp>
         <p:nvSpPr>
-          <p:cNvPr id="2" name="Date Placeholder 1">
-            <a:extLst>
-              <a:ext uri="{FF2B5EF4-FFF2-40B4-BE49-F238E27FC236}">
-                <a16:creationId xmlns:a16="http://schemas.microsoft.com/office/drawing/2014/main" id="{540CE6E1-1C31-481F-9165-2BAFDF7B2045}"/>
-              </a:ext>
-            </a:extLst>
-          </p:cNvPr>
+          <p:cNvPr id="2" name="Date Placeholder 1"/>
           <p:cNvSpPr>
             <a:spLocks noGrp="1"/>
           </p:cNvSpPr>
@@ -2284,7 +2046,7 @@
           <a:p>
             <a:fld id="{4D9736FE-DD26-4250-B71B-CA1E5A7BE9E9}" type="datetimeFigureOut">
               <a:rPr lang="en-US" smtClean="0"/>
-              <a:t>7/3/2018</a:t>
+              <a:t>7/6/18</a:t>
             </a:fld>
             <a:endParaRPr lang="en-US"/>
           </a:p>
@@ -2292,13 +2054,7 @@
       </p:sp>
       <p:sp>
         <p:nvSpPr>
-          <p:cNvPr id="3" name="Footer Placeholder 2">
-            <a:extLst>
-              <a:ext uri="{FF2B5EF4-FFF2-40B4-BE49-F238E27FC236}">
-                <a16:creationId xmlns:a16="http://schemas.microsoft.com/office/drawing/2014/main" id="{B95EA19D-C61F-4394-81C9-39AD154924C6}"/>
-              </a:ext>
-            </a:extLst>
-          </p:cNvPr>
+          <p:cNvPr id="3" name="Footer Placeholder 2"/>
           <p:cNvSpPr>
             <a:spLocks noGrp="1"/>
           </p:cNvSpPr>
@@ -2317,13 +2073,7 @@
       </p:sp>
       <p:sp>
         <p:nvSpPr>
-          <p:cNvPr id="4" name="Slide Number Placeholder 3">
-            <a:extLst>
-              <a:ext uri="{FF2B5EF4-FFF2-40B4-BE49-F238E27FC236}">
-                <a16:creationId xmlns:a16="http://schemas.microsoft.com/office/drawing/2014/main" id="{10FC82FC-4921-4A60-BAB9-2503593EE164}"/>
-              </a:ext>
-            </a:extLst>
-          </p:cNvPr>
+          <p:cNvPr id="4" name="Slide Number Placeholder 3"/>
           <p:cNvSpPr>
             <a:spLocks noGrp="1"/>
           </p:cNvSpPr>
@@ -2347,7 +2097,7 @@
     </p:spTree>
     <p:extLst>
       <p:ext uri="{BB962C8B-B14F-4D97-AF65-F5344CB8AC3E}">
-        <p14:creationId xmlns:p14="http://schemas.microsoft.com/office/powerpoint/2010/main" val="3811989163"/>
+        <p14:creationId xmlns:p14="http://schemas.microsoft.com/office/powerpoint/2010/main" val="470964284"/>
       </p:ext>
     </p:extLst>
   </p:cSld>
@@ -2376,13 +2126,7 @@
       </p:grpSpPr>
       <p:sp>
         <p:nvSpPr>
-          <p:cNvPr id="2" name="Title 1">
-            <a:extLst>
-              <a:ext uri="{FF2B5EF4-FFF2-40B4-BE49-F238E27FC236}">
-                <a16:creationId xmlns:a16="http://schemas.microsoft.com/office/drawing/2014/main" id="{85EBA7C5-B3C0-4742-B056-BB3D67EBAC79}"/>
-              </a:ext>
-            </a:extLst>
-          </p:cNvPr>
+          <p:cNvPr id="2" name="Title 1"/>
           <p:cNvSpPr>
             <a:spLocks noGrp="1"/>
           </p:cNvSpPr>
@@ -2408,18 +2152,13 @@
               <a:rPr lang="en-US"/>
               <a:t>Click to edit Master title style</a:t>
             </a:r>
-          </a:p>
-        </p:txBody>
-      </p:sp>
-      <p:sp>
-        <p:nvSpPr>
-          <p:cNvPr id="3" name="Content Placeholder 2">
-            <a:extLst>
-              <a:ext uri="{FF2B5EF4-FFF2-40B4-BE49-F238E27FC236}">
-                <a16:creationId xmlns:a16="http://schemas.microsoft.com/office/drawing/2014/main" id="{90E4E029-185D-47C0-BAFC-31EA61D714C6}"/>
-              </a:ext>
-            </a:extLst>
-          </p:cNvPr>
+            <a:endParaRPr lang="en-US" dirty="0"/>
+          </a:p>
+        </p:txBody>
+      </p:sp>
+      <p:sp>
+        <p:nvSpPr>
+          <p:cNvPr id="3" name="Content Placeholder 2"/>
           <p:cNvSpPr>
             <a:spLocks noGrp="1"/>
           </p:cNvSpPr>
@@ -2498,18 +2237,13 @@
               <a:rPr lang="en-US"/>
               <a:t>Fifth level</a:t>
             </a:r>
-          </a:p>
-        </p:txBody>
-      </p:sp>
-      <p:sp>
-        <p:nvSpPr>
-          <p:cNvPr id="4" name="Text Placeholder 3">
-            <a:extLst>
-              <a:ext uri="{FF2B5EF4-FFF2-40B4-BE49-F238E27FC236}">
-                <a16:creationId xmlns:a16="http://schemas.microsoft.com/office/drawing/2014/main" id="{BA701051-19C9-4BAD-B970-699127D2722E}"/>
-              </a:ext>
-            </a:extLst>
-          </p:cNvPr>
+            <a:endParaRPr lang="en-US" dirty="0"/>
+          </a:p>
+        </p:txBody>
+      </p:sp>
+      <p:sp>
+        <p:nvSpPr>
+          <p:cNvPr id="4" name="Text Placeholder 3"/>
           <p:cNvSpPr>
             <a:spLocks noGrp="1"/>
           </p:cNvSpPr>
@@ -2574,13 +2308,7 @@
       </p:sp>
       <p:sp>
         <p:nvSpPr>
-          <p:cNvPr id="5" name="Date Placeholder 4">
-            <a:extLst>
-              <a:ext uri="{FF2B5EF4-FFF2-40B4-BE49-F238E27FC236}">
-                <a16:creationId xmlns:a16="http://schemas.microsoft.com/office/drawing/2014/main" id="{E29FD374-7C5E-457D-B4DE-B094B565E461}"/>
-              </a:ext>
-            </a:extLst>
-          </p:cNvPr>
+          <p:cNvPr id="5" name="Date Placeholder 4"/>
           <p:cNvSpPr>
             <a:spLocks noGrp="1"/>
           </p:cNvSpPr>
@@ -2595,7 +2323,7 @@
           <a:p>
             <a:fld id="{4D9736FE-DD26-4250-B71B-CA1E5A7BE9E9}" type="datetimeFigureOut">
               <a:rPr lang="en-US" smtClean="0"/>
-              <a:t>7/3/2018</a:t>
+              <a:t>7/6/18</a:t>
             </a:fld>
             <a:endParaRPr lang="en-US"/>
           </a:p>
@@ -2603,13 +2331,7 @@
       </p:sp>
       <p:sp>
         <p:nvSpPr>
-          <p:cNvPr id="6" name="Footer Placeholder 5">
-            <a:extLst>
-              <a:ext uri="{FF2B5EF4-FFF2-40B4-BE49-F238E27FC236}">
-                <a16:creationId xmlns:a16="http://schemas.microsoft.com/office/drawing/2014/main" id="{B3BD2C15-AB81-42E4-8FF6-A372AF6464D4}"/>
-              </a:ext>
-            </a:extLst>
-          </p:cNvPr>
+          <p:cNvPr id="6" name="Footer Placeholder 5"/>
           <p:cNvSpPr>
             <a:spLocks noGrp="1"/>
           </p:cNvSpPr>
@@ -2628,13 +2350,7 @@
       </p:sp>
       <p:sp>
         <p:nvSpPr>
-          <p:cNvPr id="7" name="Slide Number Placeholder 6">
-            <a:extLst>
-              <a:ext uri="{FF2B5EF4-FFF2-40B4-BE49-F238E27FC236}">
-                <a16:creationId xmlns:a16="http://schemas.microsoft.com/office/drawing/2014/main" id="{E89F477A-DE42-498E-9A58-2DFDAD971A33}"/>
-              </a:ext>
-            </a:extLst>
-          </p:cNvPr>
+          <p:cNvPr id="7" name="Slide Number Placeholder 6"/>
           <p:cNvSpPr>
             <a:spLocks noGrp="1"/>
           </p:cNvSpPr>
@@ -2658,7 +2374,7 @@
     </p:spTree>
     <p:extLst>
       <p:ext uri="{BB962C8B-B14F-4D97-AF65-F5344CB8AC3E}">
-        <p14:creationId xmlns:p14="http://schemas.microsoft.com/office/powerpoint/2010/main" val="768122071"/>
+        <p14:creationId xmlns:p14="http://schemas.microsoft.com/office/powerpoint/2010/main" val="288761220"/>
       </p:ext>
     </p:extLst>
   </p:cSld>
@@ -2687,13 +2403,7 @@
       </p:grpSpPr>
       <p:sp>
         <p:nvSpPr>
-          <p:cNvPr id="2" name="Title 1">
-            <a:extLst>
-              <a:ext uri="{FF2B5EF4-FFF2-40B4-BE49-F238E27FC236}">
-                <a16:creationId xmlns:a16="http://schemas.microsoft.com/office/drawing/2014/main" id="{4CC1BB8F-3431-43A5-8CAC-5114A63B4B99}"/>
-              </a:ext>
-            </a:extLst>
-          </p:cNvPr>
+          <p:cNvPr id="2" name="Title 1"/>
           <p:cNvSpPr>
             <a:spLocks noGrp="1"/>
           </p:cNvSpPr>
@@ -2719,20 +2429,15 @@
               <a:rPr lang="en-US"/>
               <a:t>Click to edit Master title style</a:t>
             </a:r>
-          </a:p>
-        </p:txBody>
-      </p:sp>
-      <p:sp>
-        <p:nvSpPr>
-          <p:cNvPr id="3" name="Picture Placeholder 2">
-            <a:extLst>
-              <a:ext uri="{FF2B5EF4-FFF2-40B4-BE49-F238E27FC236}">
-                <a16:creationId xmlns:a16="http://schemas.microsoft.com/office/drawing/2014/main" id="{77AADD6F-7C5A-4B86-A5FE-1EB5DAB9BA7F}"/>
-              </a:ext>
-            </a:extLst>
-          </p:cNvPr>
-          <p:cNvSpPr>
-            <a:spLocks noGrp="1"/>
+            <a:endParaRPr lang="en-US" dirty="0"/>
+          </a:p>
+        </p:txBody>
+      </p:sp>
+      <p:sp>
+        <p:nvSpPr>
+          <p:cNvPr id="3" name="Picture Placeholder 2"/>
+          <p:cNvSpPr>
+            <a:spLocks noGrp="1" noChangeAspect="1"/>
           </p:cNvSpPr>
           <p:nvPr>
             <p:ph type="pic" idx="1"/>
@@ -2745,7 +2450,7 @@
           </a:xfrm>
         </p:spPr>
         <p:txBody>
-          <a:bodyPr/>
+          <a:bodyPr anchor="t"/>
           <a:lstStyle>
             <a:lvl1pPr marL="0" indent="0">
               <a:buNone/>
@@ -2789,18 +2494,13 @@
               <a:rPr lang="en-US"/>
               <a:t>Click icon to add picture</a:t>
             </a:r>
-          </a:p>
-        </p:txBody>
-      </p:sp>
-      <p:sp>
-        <p:nvSpPr>
-          <p:cNvPr id="4" name="Text Placeholder 3">
-            <a:extLst>
-              <a:ext uri="{FF2B5EF4-FFF2-40B4-BE49-F238E27FC236}">
-                <a16:creationId xmlns:a16="http://schemas.microsoft.com/office/drawing/2014/main" id="{AD4A8CBB-5697-4D78-AE64-F2FB8D9B4EEA}"/>
-              </a:ext>
-            </a:extLst>
-          </p:cNvPr>
+            <a:endParaRPr lang="en-US" dirty="0"/>
+          </a:p>
+        </p:txBody>
+      </p:sp>
+      <p:sp>
+        <p:nvSpPr>
+          <p:cNvPr id="4" name="Text Placeholder 3"/>
           <p:cNvSpPr>
             <a:spLocks noGrp="1"/>
           </p:cNvSpPr>
@@ -2865,13 +2565,7 @@
       </p:sp>
       <p:sp>
         <p:nvSpPr>
-          <p:cNvPr id="5" name="Date Placeholder 4">
-            <a:extLst>
-              <a:ext uri="{FF2B5EF4-FFF2-40B4-BE49-F238E27FC236}">
-                <a16:creationId xmlns:a16="http://schemas.microsoft.com/office/drawing/2014/main" id="{C6DCE1A4-19AE-4D9A-9070-78EA426A6CCE}"/>
-              </a:ext>
-            </a:extLst>
-          </p:cNvPr>
+          <p:cNvPr id="5" name="Date Placeholder 4"/>
           <p:cNvSpPr>
             <a:spLocks noGrp="1"/>
           </p:cNvSpPr>
@@ -2886,7 +2580,7 @@
           <a:p>
             <a:fld id="{4D9736FE-DD26-4250-B71B-CA1E5A7BE9E9}" type="datetimeFigureOut">
               <a:rPr lang="en-US" smtClean="0"/>
-              <a:t>7/3/2018</a:t>
+              <a:t>7/6/18</a:t>
             </a:fld>
             <a:endParaRPr lang="en-US"/>
           </a:p>
@@ -2894,13 +2588,7 @@
       </p:sp>
       <p:sp>
         <p:nvSpPr>
-          <p:cNvPr id="6" name="Footer Placeholder 5">
-            <a:extLst>
-              <a:ext uri="{FF2B5EF4-FFF2-40B4-BE49-F238E27FC236}">
-                <a16:creationId xmlns:a16="http://schemas.microsoft.com/office/drawing/2014/main" id="{E51C7719-C83A-4EF5-A6D2-B08171C47C81}"/>
-              </a:ext>
-            </a:extLst>
-          </p:cNvPr>
+          <p:cNvPr id="6" name="Footer Placeholder 5"/>
           <p:cNvSpPr>
             <a:spLocks noGrp="1"/>
           </p:cNvSpPr>
@@ -2919,13 +2607,7 @@
       </p:sp>
       <p:sp>
         <p:nvSpPr>
-          <p:cNvPr id="7" name="Slide Number Placeholder 6">
-            <a:extLst>
-              <a:ext uri="{FF2B5EF4-FFF2-40B4-BE49-F238E27FC236}">
-                <a16:creationId xmlns:a16="http://schemas.microsoft.com/office/drawing/2014/main" id="{3E2AE37D-E287-4AC3-A997-900316094F32}"/>
-              </a:ext>
-            </a:extLst>
-          </p:cNvPr>
+          <p:cNvPr id="7" name="Slide Number Placeholder 6"/>
           <p:cNvSpPr>
             <a:spLocks noGrp="1"/>
           </p:cNvSpPr>
@@ -2949,7 +2631,7 @@
     </p:spTree>
     <p:extLst>
       <p:ext uri="{BB962C8B-B14F-4D97-AF65-F5344CB8AC3E}">
-        <p14:creationId xmlns:p14="http://schemas.microsoft.com/office/powerpoint/2010/main" val="547753869"/>
+        <p14:creationId xmlns:p14="http://schemas.microsoft.com/office/powerpoint/2010/main" val="3553938307"/>
       </p:ext>
     </p:extLst>
   </p:cSld>
@@ -2983,13 +2665,7 @@
       </p:grpSpPr>
       <p:sp>
         <p:nvSpPr>
-          <p:cNvPr id="2" name="Title Placeholder 1">
-            <a:extLst>
-              <a:ext uri="{FF2B5EF4-FFF2-40B4-BE49-F238E27FC236}">
-                <a16:creationId xmlns:a16="http://schemas.microsoft.com/office/drawing/2014/main" id="{507BA034-8392-4E14-8407-918FF9DEA015}"/>
-              </a:ext>
-            </a:extLst>
-          </p:cNvPr>
+          <p:cNvPr id="2" name="Title Placeholder 1"/>
           <p:cNvSpPr>
             <a:spLocks noGrp="1"/>
           </p:cNvSpPr>
@@ -3016,18 +2692,13 @@
               <a:rPr lang="en-US"/>
               <a:t>Click to edit Master title style</a:t>
             </a:r>
-          </a:p>
-        </p:txBody>
-      </p:sp>
-      <p:sp>
-        <p:nvSpPr>
-          <p:cNvPr id="3" name="Text Placeholder 2">
-            <a:extLst>
-              <a:ext uri="{FF2B5EF4-FFF2-40B4-BE49-F238E27FC236}">
-                <a16:creationId xmlns:a16="http://schemas.microsoft.com/office/drawing/2014/main" id="{3D482F2F-87DA-4156-9F66-4E5E34250D6D}"/>
-              </a:ext>
-            </a:extLst>
-          </p:cNvPr>
+            <a:endParaRPr lang="en-US" dirty="0"/>
+          </a:p>
+        </p:txBody>
+      </p:sp>
+      <p:sp>
+        <p:nvSpPr>
+          <p:cNvPr id="3" name="Text Placeholder 2"/>
           <p:cNvSpPr>
             <a:spLocks noGrp="1"/>
           </p:cNvSpPr>
@@ -3083,18 +2754,13 @@
               <a:rPr lang="en-US"/>
               <a:t>Fifth level</a:t>
             </a:r>
-          </a:p>
-        </p:txBody>
-      </p:sp>
-      <p:sp>
-        <p:nvSpPr>
-          <p:cNvPr id="4" name="Date Placeholder 3">
-            <a:extLst>
-              <a:ext uri="{FF2B5EF4-FFF2-40B4-BE49-F238E27FC236}">
-                <a16:creationId xmlns:a16="http://schemas.microsoft.com/office/drawing/2014/main" id="{434B4147-4F2A-4CED-8773-7144FFE6A260}"/>
-              </a:ext>
-            </a:extLst>
-          </p:cNvPr>
+            <a:endParaRPr lang="en-US" dirty="0"/>
+          </a:p>
+        </p:txBody>
+      </p:sp>
+      <p:sp>
+        <p:nvSpPr>
+          <p:cNvPr id="4" name="Date Placeholder 3"/>
           <p:cNvSpPr>
             <a:spLocks noGrp="1"/>
           </p:cNvSpPr>
@@ -3127,7 +2793,7 @@
           <a:p>
             <a:fld id="{4D9736FE-DD26-4250-B71B-CA1E5A7BE9E9}" type="datetimeFigureOut">
               <a:rPr lang="en-US" smtClean="0"/>
-              <a:t>7/3/2018</a:t>
+              <a:t>7/6/18</a:t>
             </a:fld>
             <a:endParaRPr lang="en-US"/>
           </a:p>
@@ -3135,13 +2801,7 @@
       </p:sp>
       <p:sp>
         <p:nvSpPr>
-          <p:cNvPr id="5" name="Footer Placeholder 4">
-            <a:extLst>
-              <a:ext uri="{FF2B5EF4-FFF2-40B4-BE49-F238E27FC236}">
-                <a16:creationId xmlns:a16="http://schemas.microsoft.com/office/drawing/2014/main" id="{9DE2CD72-E6C6-43B1-B3C3-AA1CCD5F7C6C}"/>
-              </a:ext>
-            </a:extLst>
-          </p:cNvPr>
+          <p:cNvPr id="5" name="Footer Placeholder 4"/>
           <p:cNvSpPr>
             <a:spLocks noGrp="1"/>
           </p:cNvSpPr>
@@ -3178,13 +2838,7 @@
       </p:sp>
       <p:sp>
         <p:nvSpPr>
-          <p:cNvPr id="6" name="Slide Number Placeholder 5">
-            <a:extLst>
-              <a:ext uri="{FF2B5EF4-FFF2-40B4-BE49-F238E27FC236}">
-                <a16:creationId xmlns:a16="http://schemas.microsoft.com/office/drawing/2014/main" id="{99F83847-4AC5-4BE5-BA17-6CB64A7DCDAF}"/>
-              </a:ext>
-            </a:extLst>
-          </p:cNvPr>
+          <p:cNvPr id="6" name="Slide Number Placeholder 5"/>
           <p:cNvSpPr>
             <a:spLocks noGrp="1"/>
           </p:cNvSpPr>
@@ -3226,24 +2880,24 @@
     </p:spTree>
     <p:extLst>
       <p:ext uri="{BB962C8B-B14F-4D97-AF65-F5344CB8AC3E}">
-        <p14:creationId xmlns:p14="http://schemas.microsoft.com/office/powerpoint/2010/main" val="2997860868"/>
+        <p14:creationId xmlns:p14="http://schemas.microsoft.com/office/powerpoint/2010/main" val="777135852"/>
       </p:ext>
     </p:extLst>
   </p:cSld>
-  <p:clrMap bg1="lt1" tx1="dk1" bg2="lt2" tx2="dk2" accent1="accent1" accent2="accent2" accent3="accent3" accent4="accent4" accent5="accent5" accent6="accent6" hlink="hlink" folHlink="folHlink"/>
+  <p:clrMap bg1="dk1" tx1="lt1" bg2="dk2" tx2="lt2" accent1="accent1" accent2="accent2" accent3="accent3" accent4="accent4" accent5="accent5" accent6="accent6" hlink="hlink" folHlink="folHlink"/>
   <p:sldLayoutIdLst>
-    <p:sldLayoutId id="2147483649" r:id="rId1"/>
-    <p:sldLayoutId id="2147483650" r:id="rId2"/>
-    <p:sldLayoutId id="2147483651" r:id="rId3"/>
-    <p:sldLayoutId id="2147483652" r:id="rId4"/>
-    <p:sldLayoutId id="2147483653" r:id="rId5"/>
-    <p:sldLayoutId id="2147483654" r:id="rId6"/>
-    <p:sldLayoutId id="2147483655" r:id="rId7"/>
-    <p:sldLayoutId id="2147483656" r:id="rId8"/>
-    <p:sldLayoutId id="2147483657" r:id="rId9"/>
-    <p:sldLayoutId id="2147483658" r:id="rId10"/>
-    <p:sldLayoutId id="2147483659" r:id="rId11"/>
-    <p:sldLayoutId id="2147483660" r:id="rId12"/>
+    <p:sldLayoutId id="2147483662" r:id="rId1"/>
+    <p:sldLayoutId id="2147483663" r:id="rId2"/>
+    <p:sldLayoutId id="2147483664" r:id="rId3"/>
+    <p:sldLayoutId id="2147483665" r:id="rId4"/>
+    <p:sldLayoutId id="2147483666" r:id="rId5"/>
+    <p:sldLayoutId id="2147483667" r:id="rId6"/>
+    <p:sldLayoutId id="2147483668" r:id="rId7"/>
+    <p:sldLayoutId id="2147483669" r:id="rId8"/>
+    <p:sldLayoutId id="2147483670" r:id="rId9"/>
+    <p:sldLayoutId id="2147483671" r:id="rId10"/>
+    <p:sldLayoutId id="2147483672" r:id="rId11"/>
+    <p:sldLayoutId id="2147483673" r:id="rId12"/>
   </p:sldLayoutIdLst>
   <p:txStyles>
     <p:titleStyle>
@@ -3798,28 +3452,28 @@
           <a:p>
             <a:pPr lvl="0"/>
             <a:r>
-              <a:rPr lang="en-US"/>
+              <a:rPr lang="en-US" dirty="0"/>
               <a:t>Then through the darkness, Your loving-kindness</a:t>
             </a:r>
           </a:p>
           <a:p>
             <a:pPr lvl="0"/>
             <a:r>
-              <a:rPr lang="en-US"/>
+              <a:rPr lang="en-US" dirty="0"/>
               <a:t>Tore through the shadows of my soul</a:t>
             </a:r>
           </a:p>
           <a:p>
             <a:pPr lvl="0"/>
             <a:r>
-              <a:rPr lang="en-US"/>
-              <a:t>The work is &amp;#64257;nished, the end is written</a:t>
-            </a:r>
-          </a:p>
-          <a:p>
-            <a:pPr lvl="0"/>
-            <a:r>
-              <a:rPr lang="en-US"/>
+              <a:rPr lang="en-US" dirty="0"/>
+              <a:t>The work is finished, the end is written</a:t>
+            </a:r>
+          </a:p>
+          <a:p>
+            <a:pPr lvl="0"/>
+            <a:r>
+              <a:rPr lang="en-US" dirty="0"/>
               <a:t>Jesus Christ, my living hope</a:t>
             </a:r>
           </a:p>
@@ -5926,7 +5580,7 @@
 <file path=ppt/theme/theme1.xml><?xml version="1.0" encoding="utf-8"?>
 <a:theme xmlns:a="http://schemas.openxmlformats.org/drawingml/2006/main" name="Office Theme">
   <a:themeElements>
-    <a:clrScheme name="Office">
+    <a:clrScheme name="Office Theme">
       <a:dk1>
         <a:sysClr val="windowText" lastClr="000000"/>
       </a:dk1>
@@ -5940,22 +5594,22 @@
         <a:srgbClr val="E7E6E6"/>
       </a:lt2>
       <a:accent1>
-        <a:srgbClr val="4472C4"/>
+        <a:srgbClr val="29AF8C"/>
       </a:accent1>
       <a:accent2>
-        <a:srgbClr val="ED7D31"/>
+        <a:srgbClr val="97BE49"/>
       </a:accent2>
       <a:accent3>
-        <a:srgbClr val="A5A5A5"/>
+        <a:srgbClr val="3D9CCC"/>
       </a:accent3>
       <a:accent4>
-        <a:srgbClr val="FFC000"/>
+        <a:srgbClr val="7C60C6"/>
       </a:accent4>
       <a:accent5>
-        <a:srgbClr val="5B9BD5"/>
+        <a:srgbClr val="C9492C"/>
       </a:accent5>
       <a:accent6>
-        <a:srgbClr val="70AD47"/>
+        <a:srgbClr val="D58C2E"/>
       </a:accent6>
       <a:hlink>
         <a:srgbClr val="0563C1"/>
@@ -5964,7 +5618,7 @@
         <a:srgbClr val="954F72"/>
       </a:folHlink>
     </a:clrScheme>
-    <a:fontScheme name="Office">
+    <a:fontScheme name="Office Theme">
       <a:majorFont>
         <a:latin typeface="Calibri Light" panose="020F0302020204030204"/>
         <a:ea typeface=""/>
@@ -5999,23 +5653,6 @@
         <a:font script="Viet" typeface="Times New Roman"/>
         <a:font script="Uigh" typeface="Microsoft Uighur"/>
         <a:font script="Geor" typeface="Sylfaen"/>
-        <a:font script="Armn" typeface="Arial"/>
-        <a:font script="Bugi" typeface="Leelawadee UI"/>
-        <a:font script="Bopo" typeface="Microsoft JhengHei"/>
-        <a:font script="Java" typeface="Javanese Text"/>
-        <a:font script="Lisu" typeface="Segoe UI"/>
-        <a:font script="Mymr" typeface="Myanmar Text"/>
-        <a:font script="Nkoo" typeface="Ebrima"/>
-        <a:font script="Olck" typeface="Nirmala UI"/>
-        <a:font script="Osma" typeface="Ebrima"/>
-        <a:font script="Phag" typeface="Phagspa"/>
-        <a:font script="Syrn" typeface="Estrangelo Edessa"/>
-        <a:font script="Syrj" typeface="Estrangelo Edessa"/>
-        <a:font script="Syre" typeface="Estrangelo Edessa"/>
-        <a:font script="Sora" typeface="Nirmala UI"/>
-        <a:font script="Tale" typeface="Microsoft Tai Le"/>
-        <a:font script="Talu" typeface="Microsoft New Tai Lue"/>
-        <a:font script="Tfng" typeface="Ebrima"/>
       </a:majorFont>
       <a:minorFont>
         <a:latin typeface="Calibri" panose="020F0502020204030204"/>
@@ -6051,26 +5688,9 @@
         <a:font script="Viet" typeface="Arial"/>
         <a:font script="Uigh" typeface="Microsoft Uighur"/>
         <a:font script="Geor" typeface="Sylfaen"/>
-        <a:font script="Armn" typeface="Arial"/>
-        <a:font script="Bugi" typeface="Leelawadee UI"/>
-        <a:font script="Bopo" typeface="Microsoft JhengHei"/>
-        <a:font script="Java" typeface="Javanese Text"/>
-        <a:font script="Lisu" typeface="Segoe UI"/>
-        <a:font script="Mymr" typeface="Myanmar Text"/>
-        <a:font script="Nkoo" typeface="Ebrima"/>
-        <a:font script="Olck" typeface="Nirmala UI"/>
-        <a:font script="Osma" typeface="Ebrima"/>
-        <a:font script="Phag" typeface="Phagspa"/>
-        <a:font script="Syrn" typeface="Estrangelo Edessa"/>
-        <a:font script="Syrj" typeface="Estrangelo Edessa"/>
-        <a:font script="Syre" typeface="Estrangelo Edessa"/>
-        <a:font script="Sora" typeface="Nirmala UI"/>
-        <a:font script="Tale" typeface="Microsoft Tai Le"/>
-        <a:font script="Talu" typeface="Microsoft New Tai Lue"/>
-        <a:font script="Tfng" typeface="Ebrima"/>
       </a:minorFont>
     </a:fontScheme>
-    <a:fmtScheme name="Office">
+    <a:fmtScheme name="Office Theme">
       <a:fillStyleLst>
         <a:solidFill>
           <a:schemeClr val="phClr"/>
@@ -6212,7 +5832,7 @@
   <a:extraClrSchemeLst/>
   <a:extLst>
     <a:ext uri="{05A4C25C-085E-4340-85A3-A5531E510DB2}">
-      <thm15:themeFamily xmlns:thm15="http://schemas.microsoft.com/office/thememl/2012/main" name="Office Theme" id="{62F939B6-93AF-4DB8-9C6B-D6C7DFDC589F}" vid="{4A3C46E8-61CC-4603-A589-7422A47A8E4A}"/>
+      <thm15:themeFamily xmlns:thm15="http://schemas.microsoft.com/office/thememl/2012/main" name="Office Theme" id="{62F939B6-93AF-4DB8-9C6B-D6C7DFDC589F}" vid="{3E4F19A7-A959-40BB-972C-4880BAF8EB09}"/>
     </a:ext>
   </a:extLst>
 </a:theme>
